--- a/Report/HPGe_Automation Optimization_MCNP_Model_FINAL.pptx
+++ b/Report/HPGe_Automation Optimization_MCNP_Model_FINAL.pptx
@@ -14257,7 +14257,7 @@
           <p:cNvPr id="2" name="Title 1">
             <a:extLst>
               <a:ext uri="{FF2B5EF4-FFF2-40B4-BE49-F238E27FC236}">
-                <a16:creationId xmlns:a16="http://schemas.microsoft.com/office/drawing/2014/main" xmlns="" id="{2854F266-ED6E-485E-AC65-65BD9A6AB4D4}"/>
+                <a16:creationId xmlns="" xmlns:a16="http://schemas.microsoft.com/office/drawing/2014/main" id="{2854F266-ED6E-485E-AC65-65BD9A6AB4D4}"/>
               </a:ext>
             </a:extLst>
           </p:cNvPr>
@@ -14285,7 +14285,7 @@
           <p:cNvPr id="4" name="Slide Number Placeholder 3">
             <a:extLst>
               <a:ext uri="{FF2B5EF4-FFF2-40B4-BE49-F238E27FC236}">
-                <a16:creationId xmlns:a16="http://schemas.microsoft.com/office/drawing/2014/main" xmlns="" id="{0F789702-861E-4DFF-9002-B1CBB2B09FE4}"/>
+                <a16:creationId xmlns="" xmlns:a16="http://schemas.microsoft.com/office/drawing/2014/main" id="{0F789702-861E-4DFF-9002-B1CBB2B09FE4}"/>
               </a:ext>
             </a:extLst>
           </p:cNvPr>
@@ -14320,7 +14320,7 @@
           <p:cNvPr id="8" name="Picture 7">
             <a:extLst>
               <a:ext uri="{FF2B5EF4-FFF2-40B4-BE49-F238E27FC236}">
-                <a16:creationId xmlns:a16="http://schemas.microsoft.com/office/drawing/2014/main" xmlns="" id="{8C9EE95B-A4A8-4A8E-9D1F-0903591080D3}"/>
+                <a16:creationId xmlns="" xmlns:a16="http://schemas.microsoft.com/office/drawing/2014/main" id="{8C9EE95B-A4A8-4A8E-9D1F-0903591080D3}"/>
               </a:ext>
             </a:extLst>
           </p:cNvPr>
@@ -14381,7 +14381,7 @@
           <p:cNvPr id="2" name="Title 1">
             <a:extLst>
               <a:ext uri="{FF2B5EF4-FFF2-40B4-BE49-F238E27FC236}">
-                <a16:creationId xmlns:a16="http://schemas.microsoft.com/office/drawing/2014/main" xmlns="" id="{2854F266-ED6E-485E-AC65-65BD9A6AB4D4}"/>
+                <a16:creationId xmlns="" xmlns:a16="http://schemas.microsoft.com/office/drawing/2014/main" id="{2854F266-ED6E-485E-AC65-65BD9A6AB4D4}"/>
               </a:ext>
             </a:extLst>
           </p:cNvPr>
@@ -14409,7 +14409,7 @@
           <p:cNvPr id="4" name="Slide Number Placeholder 3">
             <a:extLst>
               <a:ext uri="{FF2B5EF4-FFF2-40B4-BE49-F238E27FC236}">
-                <a16:creationId xmlns:a16="http://schemas.microsoft.com/office/drawing/2014/main" xmlns="" id="{0F789702-861E-4DFF-9002-B1CBB2B09FE4}"/>
+                <a16:creationId xmlns="" xmlns:a16="http://schemas.microsoft.com/office/drawing/2014/main" id="{0F789702-861E-4DFF-9002-B1CBB2B09FE4}"/>
               </a:ext>
             </a:extLst>
           </p:cNvPr>
@@ -14444,7 +14444,7 @@
           <p:cNvPr id="6" name="Picture 5">
             <a:extLst>
               <a:ext uri="{FF2B5EF4-FFF2-40B4-BE49-F238E27FC236}">
-                <a16:creationId xmlns:a16="http://schemas.microsoft.com/office/drawing/2014/main" xmlns="" id="{9ABD97EE-2A69-44CF-AB1D-BF2A1D281592}"/>
+                <a16:creationId xmlns="" xmlns:a16="http://schemas.microsoft.com/office/drawing/2014/main" id="{9ABD97EE-2A69-44CF-AB1D-BF2A1D281592}"/>
               </a:ext>
             </a:extLst>
           </p:cNvPr>
@@ -14474,7 +14474,7 @@
           <p:cNvPr id="9" name="Content Placeholder 8">
             <a:extLst>
               <a:ext uri="{FF2B5EF4-FFF2-40B4-BE49-F238E27FC236}">
-                <a16:creationId xmlns:a16="http://schemas.microsoft.com/office/drawing/2014/main" xmlns="" id="{9D7E3104-CCDB-4099-A2C2-B7261695D7CC}"/>
+                <a16:creationId xmlns="" xmlns:a16="http://schemas.microsoft.com/office/drawing/2014/main" id="{9D7E3104-CCDB-4099-A2C2-B7261695D7CC}"/>
               </a:ext>
             </a:extLst>
           </p:cNvPr>
@@ -18425,12 +18425,12 @@
           <a:graphicData uri="http://schemas.openxmlformats.org/presentationml/2006/ole">
             <mc:AlternateContent xmlns:mc="http://schemas.openxmlformats.org/markup-compatibility/2006">
               <mc:Choice xmlns:v="urn:schemas-microsoft-com:vml" Requires="v">
-                <p:oleObj spid="_x0000_s2055" name="Worksheet" r:id="rId4" imgW="7324560" imgH="5915025" progId="Excel.Sheet.12">
+                <p:oleObj spid="_x0000_s2056" name="Worksheet" r:id="rId5" imgW="7324560" imgH="5915025" progId="Excel.Sheet.12">
                   <p:embed/>
                 </p:oleObj>
               </mc:Choice>
               <mc:Fallback>
-                <p:oleObj name="Worksheet" r:id="rId4" imgW="7324560" imgH="5915025" progId="Excel.Sheet.12">
+                <p:oleObj name="Worksheet" r:id="rId5" imgW="7324560" imgH="5915025" progId="Excel.Sheet.12">
                   <p:embed/>
                   <p:pic>
                     <p:nvPicPr>
@@ -18439,7 +18439,7 @@
                       <p:nvPr/>
                     </p:nvPicPr>
                     <p:blipFill>
-                      <a:blip r:embed="rId5"/>
+                      <a:blip r:embed="rId6"/>
                       <a:stretch>
                         <a:fillRect/>
                       </a:stretch>
